--- a/MS-101/MS-101T00A-ENU-PowerPoint/MS-101T00A-ENU-PowerPoint_03.pptx
+++ b/MS-101/MS-101T00A-ENU-PowerPoint/MS-101T00A-ENU-PowerPoint_03.pptx
@@ -2199,6 +2199,38 @@
     </pc:docChg>
   </pc:docChgLst>
   <pc:docChgLst>
+    <pc:chgData name="Michael Whitehouse" userId="0ecba9273f6ad366" providerId="LiveId" clId="{1A37CD6C-1E8E-4440-A607-72B55430E665}"/>
+    <pc:docChg chg="custSel modSld">
+      <pc:chgData name="Michael Whitehouse" userId="0ecba9273f6ad366" providerId="LiveId" clId="{1A37CD6C-1E8E-4440-A607-72B55430E665}" dt="2023-01-19T13:26:51.210" v="1" actId="14100"/>
+      <pc:docMkLst>
+        <pc:docMk/>
+      </pc:docMkLst>
+      <pc:sldChg chg="delSp modSp mod">
+        <pc:chgData name="Michael Whitehouse" userId="0ecba9273f6ad366" providerId="LiveId" clId="{1A37CD6C-1E8E-4440-A607-72B55430E665}" dt="2023-01-19T13:26:51.210" v="1" actId="14100"/>
+        <pc:sldMkLst>
+          <pc:docMk/>
+          <pc:sldMk cId="2125920257" sldId="1781"/>
+        </pc:sldMkLst>
+        <pc:picChg chg="del">
+          <ac:chgData name="Michael Whitehouse" userId="0ecba9273f6ad366" providerId="LiveId" clId="{1A37CD6C-1E8E-4440-A607-72B55430E665}" dt="2023-01-19T13:26:48.466" v="0" actId="478"/>
+          <ac:picMkLst>
+            <pc:docMk/>
+            <pc:sldMk cId="2125920257" sldId="1781"/>
+            <ac:picMk id="6" creationId="{5F779FB4-8FAF-4D8B-9018-7EA40FCE8BD8}"/>
+          </ac:picMkLst>
+        </pc:picChg>
+        <pc:picChg chg="mod">
+          <ac:chgData name="Michael Whitehouse" userId="0ecba9273f6ad366" providerId="LiveId" clId="{1A37CD6C-1E8E-4440-A607-72B55430E665}" dt="2023-01-19T13:26:51.210" v="1" actId="14100"/>
+          <ac:picMkLst>
+            <pc:docMk/>
+            <pc:sldMk cId="2125920257" sldId="1781"/>
+            <ac:picMk id="8" creationId="{29C80BF7-6B77-4C95-AFD9-A099054BE144}"/>
+          </ac:picMkLst>
+        </pc:picChg>
+      </pc:sldChg>
+    </pc:docChg>
+  </pc:docChgLst>
+  <pc:docChgLst>
     <pc:chgData name="Ashia Sheikh [Chillibreeze]" userId="6452a783-bade-4cce-97f1-f56691f8b6f5" providerId="ADAL" clId="{A647844E-CFAD-46BF-AAB5-4A891F1F02EB}"/>
     <pc:docChg chg="modSld">
       <pc:chgData name="Ashia Sheikh [Chillibreeze]" userId="6452a783-bade-4cce-97f1-f56691f8b6f5" providerId="ADAL" clId="{A647844E-CFAD-46BF-AAB5-4A891F1F02EB}" dt="2020-07-30T05:30:05.006" v="1" actId="1036"/>
@@ -2342,7 +2374,7 @@
               <a:rPr lang="en-US" smtClean="0">
                 <a:latin typeface="Segoe UI" pitchFamily="34" charset="0"/>
               </a:rPr>
-              <a:t>9/21/2022 3:18 PM</a:t>
+              <a:t>1/19/2023 1:26 PM</a:t>
             </a:fld>
             <a:endParaRPr lang="en-US" dirty="0">
               <a:latin typeface="Segoe UI" pitchFamily="34" charset="0"/>
@@ -2620,7 +2652,7 @@
           <a:p>
             <a:fld id="{DCE60099-03E7-4FA1-8A7F-E6E6CFB0F855}" type="datetime8">
               <a:rPr lang="en-US" smtClean="0"/>
-              <a:t>9/21/2022 3:18 PM</a:t>
+              <a:t>1/19/2023 1:26 PM</a:t>
             </a:fld>
             <a:endParaRPr lang="en-US" dirty="0"/>
           </a:p>
@@ -2987,7 +3019,7 @@
           <a:p>
             <a:fld id="{E2F19A73-88F5-4B80-A929-CF8E66EE5449}" type="datetime8">
               <a:rPr lang="en-US" smtClean="0"/>
-              <a:t>9/21/2022 3:18 PM</a:t>
+              <a:t>1/19/2023 1:26 PM</a:t>
             </a:fld>
             <a:endParaRPr lang="en-US" dirty="0"/>
           </a:p>
@@ -3378,7 +3410,7 @@
           <a:p>
             <a:fld id="{9427A7F7-BB1E-479D-AFAA-B52F4D0C99F2}" type="datetime8">
               <a:rPr lang="en-US" smtClean="0"/>
-              <a:t>9/21/2022 3:18 PM</a:t>
+              <a:t>1/19/2023 1:26 PM</a:t>
             </a:fld>
             <a:endParaRPr lang="en-US" dirty="0"/>
           </a:p>
@@ -3543,7 +3575,7 @@
           <a:p>
             <a:fld id="{9427A7F7-BB1E-479D-AFAA-B52F4D0C99F2}" type="datetime8">
               <a:rPr lang="en-US" smtClean="0"/>
-              <a:t>9/21/2022 3:18 PM</a:t>
+              <a:t>1/19/2023 1:26 PM</a:t>
             </a:fld>
             <a:endParaRPr lang="en-US" dirty="0"/>
           </a:p>
@@ -3807,7 +3839,7 @@
                 <a:tabLst/>
                 <a:defRPr/>
               </a:pPr>
-              <a:t>9/21/2022 3:18 PM</a:t>
+              <a:t>1/19/2023 1:26 PM</a:t>
             </a:fld>
             <a:endParaRPr kumimoji="0" lang="en-US" sz="1200" b="0" i="0" u="none" strike="noStrike" kern="1200" cap="none" spc="0" normalizeH="0" baseline="0" noProof="0" dirty="0">
               <a:ln>
@@ -4044,7 +4076,7 @@
           <a:p>
             <a:fld id="{E2F19A73-88F5-4B80-A929-CF8E66EE5449}" type="datetime8">
               <a:rPr lang="en-US" smtClean="0"/>
-              <a:t>9/21/2022 3:18 PM</a:t>
+              <a:t>1/19/2023 1:26 PM</a:t>
             </a:fld>
             <a:endParaRPr lang="en-US" dirty="0"/>
           </a:p>
@@ -4209,7 +4241,7 @@
           <a:p>
             <a:fld id="{9427A7F7-BB1E-479D-AFAA-B52F4D0C99F2}" type="datetime8">
               <a:rPr lang="en-US" smtClean="0"/>
-              <a:t>9/21/2022 3:18 PM</a:t>
+              <a:t>1/19/2023 1:26 PM</a:t>
             </a:fld>
             <a:endParaRPr lang="en-US" dirty="0"/>
           </a:p>
@@ -4374,7 +4406,7 @@
           <a:p>
             <a:fld id="{E2F19A73-88F5-4B80-A929-CF8E66EE5449}" type="datetime8">
               <a:rPr lang="en-US" smtClean="0"/>
-              <a:t>9/21/2022 3:18 PM</a:t>
+              <a:t>1/19/2023 1:26 PM</a:t>
             </a:fld>
             <a:endParaRPr lang="en-US" dirty="0"/>
           </a:p>
@@ -4539,7 +4571,7 @@
           <a:p>
             <a:fld id="{9427A7F7-BB1E-479D-AFAA-B52F4D0C99F2}" type="datetime8">
               <a:rPr lang="en-US" smtClean="0"/>
-              <a:t>9/21/2022 3:18 PM</a:t>
+              <a:t>1/19/2023 1:26 PM</a:t>
             </a:fld>
             <a:endParaRPr lang="en-US" dirty="0"/>
           </a:p>
@@ -4908,7 +4940,7 @@
           <a:p>
             <a:fld id="{9427A7F7-BB1E-479D-AFAA-B52F4D0C99F2}" type="datetime8">
               <a:rPr lang="en-US" smtClean="0"/>
-              <a:t>9/21/2022 3:18 PM</a:t>
+              <a:t>1/19/2023 1:26 PM</a:t>
             </a:fld>
             <a:endParaRPr lang="en-US" dirty="0"/>
           </a:p>
@@ -5116,7 +5148,7 @@
           <a:p>
             <a:fld id="{9427A7F7-BB1E-479D-AFAA-B52F4D0C99F2}" type="datetime8">
               <a:rPr lang="en-US" smtClean="0"/>
-              <a:t>9/21/2022 3:18 PM</a:t>
+              <a:t>1/19/2023 1:26 PM</a:t>
             </a:fld>
             <a:endParaRPr lang="en-US" dirty="0"/>
           </a:p>
@@ -5609,7 +5641,7 @@
           <a:p>
             <a:fld id="{9427A7F7-BB1E-479D-AFAA-B52F4D0C99F2}" type="datetime8">
               <a:rPr lang="en-US" smtClean="0"/>
-              <a:t>9/21/2022 3:18 PM</a:t>
+              <a:t>1/19/2023 1:26 PM</a:t>
             </a:fld>
             <a:endParaRPr lang="en-US" dirty="0"/>
           </a:p>
@@ -5774,7 +5806,7 @@
           <a:p>
             <a:fld id="{9427A7F7-BB1E-479D-AFAA-B52F4D0C99F2}" type="datetime8">
               <a:rPr lang="en-US" smtClean="0"/>
-              <a:t>9/21/2022 3:18 PM</a:t>
+              <a:t>1/19/2023 1:26 PM</a:t>
             </a:fld>
             <a:endParaRPr lang="en-US" dirty="0"/>
           </a:p>
@@ -6304,7 +6336,7 @@
           <a:p>
             <a:fld id="{9427A7F7-BB1E-479D-AFAA-B52F4D0C99F2}" type="datetime8">
               <a:rPr lang="en-US" smtClean="0"/>
-              <a:t>9/21/2022 3:18 PM</a:t>
+              <a:t>1/19/2023 1:26 PM</a:t>
             </a:fld>
             <a:endParaRPr lang="en-US" dirty="0"/>
           </a:p>
@@ -6954,7 +6986,7 @@
           <a:p>
             <a:fld id="{9427A7F7-BB1E-479D-AFAA-B52F4D0C99F2}" type="datetime8">
               <a:rPr lang="en-US" smtClean="0"/>
-              <a:t>9/21/2022 3:18 PM</a:t>
+              <a:t>1/19/2023 1:26 PM</a:t>
             </a:fld>
             <a:endParaRPr lang="en-US" dirty="0"/>
           </a:p>
@@ -7119,7 +7151,7 @@
           <a:p>
             <a:fld id="{9427A7F7-BB1E-479D-AFAA-B52F4D0C99F2}" type="datetime8">
               <a:rPr lang="en-US" smtClean="0"/>
-              <a:t>9/21/2022 3:18 PM</a:t>
+              <a:t>1/19/2023 1:26 PM</a:t>
             </a:fld>
             <a:endParaRPr lang="en-US" dirty="0"/>
           </a:p>
@@ -7284,7 +7316,7 @@
           <a:p>
             <a:fld id="{9427A7F7-BB1E-479D-AFAA-B52F4D0C99F2}" type="datetime8">
               <a:rPr lang="en-US" smtClean="0"/>
-              <a:t>9/21/2022 3:18 PM</a:t>
+              <a:t>1/19/2023 1:26 PM</a:t>
             </a:fld>
             <a:endParaRPr lang="en-US"/>
           </a:p>
@@ -7548,7 +7580,7 @@
                 <a:tabLst/>
                 <a:defRPr/>
               </a:pPr>
-              <a:t>9/21/2022 3:18 PM</a:t>
+              <a:t>1/19/2023 1:26 PM</a:t>
             </a:fld>
             <a:endParaRPr kumimoji="0" lang="en-US" sz="1200" b="0" i="0" u="none" strike="noStrike" kern="1200" cap="none" spc="0" normalizeH="0" baseline="0" noProof="0">
               <a:ln>
@@ -7785,7 +7817,7 @@
           <a:p>
             <a:fld id="{E2F19A73-88F5-4B80-A929-CF8E66EE5449}" type="datetime8">
               <a:rPr lang="en-US" smtClean="0"/>
-              <a:t>9/21/2022 3:18 PM</a:t>
+              <a:t>1/19/2023 1:26 PM</a:t>
             </a:fld>
             <a:endParaRPr lang="en-US" dirty="0"/>
           </a:p>
@@ -7950,7 +7982,7 @@
           <a:p>
             <a:fld id="{9427A7F7-BB1E-479D-AFAA-B52F4D0C99F2}" type="datetime8">
               <a:rPr lang="en-US" smtClean="0"/>
-              <a:t>9/21/2022 3:18 PM</a:t>
+              <a:t>1/19/2023 1:26 PM</a:t>
             </a:fld>
             <a:endParaRPr lang="en-US" dirty="0"/>
           </a:p>
@@ -8688,7 +8720,7 @@
           <a:p>
             <a:fld id="{9427A7F7-BB1E-479D-AFAA-B52F4D0C99F2}" type="datetime8">
               <a:rPr lang="en-US" smtClean="0"/>
-              <a:t>9/21/2022 3:18 PM</a:t>
+              <a:t>1/19/2023 1:26 PM</a:t>
             </a:fld>
             <a:endParaRPr lang="en-US" dirty="0"/>
           </a:p>
@@ -9051,7 +9083,7 @@
           <a:p>
             <a:fld id="{9427A7F7-BB1E-479D-AFAA-B52F4D0C99F2}" type="datetime8">
               <a:rPr lang="en-US" smtClean="0"/>
-              <a:t>9/21/2022 3:18 PM</a:t>
+              <a:t>1/19/2023 1:26 PM</a:t>
             </a:fld>
             <a:endParaRPr lang="en-US" dirty="0"/>
           </a:p>
@@ -9225,7 +9257,7 @@
           <a:p>
             <a:fld id="{9427A7F7-BB1E-479D-AFAA-B52F4D0C99F2}" type="datetime8">
               <a:rPr lang="en-US" smtClean="0"/>
-              <a:t>9/21/2022 3:18 PM</a:t>
+              <a:t>1/19/2023 1:26 PM</a:t>
             </a:fld>
             <a:endParaRPr lang="en-US" dirty="0"/>
           </a:p>
@@ -9390,7 +9422,7 @@
           <a:p>
             <a:fld id="{E2F19A73-88F5-4B80-A929-CF8E66EE5449}" type="datetime8">
               <a:rPr lang="en-US" smtClean="0"/>
-              <a:t>9/21/2022 3:18 PM</a:t>
+              <a:t>1/19/2023 1:26 PM</a:t>
             </a:fld>
             <a:endParaRPr lang="en-US" dirty="0"/>
           </a:p>
@@ -9869,7 +9901,7 @@
           <a:p>
             <a:fld id="{9427A7F7-BB1E-479D-AFAA-B52F4D0C99F2}" type="datetime8">
               <a:rPr lang="en-US" smtClean="0"/>
-              <a:t>9/21/2022 3:18 PM</a:t>
+              <a:t>1/19/2023 1:26 PM</a:t>
             </a:fld>
             <a:endParaRPr lang="en-US" dirty="0"/>
           </a:p>
@@ -10783,7 +10815,7 @@
           <a:p>
             <a:fld id="{9427A7F7-BB1E-479D-AFAA-B52F4D0C99F2}" type="datetime8">
               <a:rPr lang="en-US" smtClean="0"/>
-              <a:t>9/21/2022 3:18 PM</a:t>
+              <a:t>1/19/2023 1:26 PM</a:t>
             </a:fld>
             <a:endParaRPr lang="en-US" dirty="0"/>
           </a:p>
@@ -11357,7 +11389,7 @@
           <a:p>
             <a:fld id="{9427A7F7-BB1E-479D-AFAA-B52F4D0C99F2}" type="datetime8">
               <a:rPr lang="en-US" smtClean="0"/>
-              <a:t>9/21/2022 3:18 PM</a:t>
+              <a:t>1/19/2023 1:26 PM</a:t>
             </a:fld>
             <a:endParaRPr lang="en-US" dirty="0"/>
           </a:p>
@@ -11522,7 +11554,7 @@
           <a:p>
             <a:fld id="{9427A7F7-BB1E-479D-AFAA-B52F4D0C99F2}" type="datetime8">
               <a:rPr lang="en-US" smtClean="0"/>
-              <a:t>9/21/2022 3:18 PM</a:t>
+              <a:t>1/19/2023 1:26 PM</a:t>
             </a:fld>
             <a:endParaRPr lang="en-US"/>
           </a:p>
@@ -11786,7 +11818,7 @@
                 <a:tabLst/>
                 <a:defRPr/>
               </a:pPr>
-              <a:t>9/21/2022 3:18 PM</a:t>
+              <a:t>1/19/2023 1:26 PM</a:t>
             </a:fld>
             <a:endParaRPr kumimoji="0" lang="en-US" sz="1200" b="0" i="0" u="none" strike="noStrike" kern="1200" cap="none" spc="0" normalizeH="0" baseline="0" noProof="0">
               <a:ln>
@@ -12023,7 +12055,7 @@
           <a:p>
             <a:fld id="{E2F19A73-88F5-4B80-A929-CF8E66EE5449}" type="datetime8">
               <a:rPr lang="en-US" smtClean="0"/>
-              <a:t>9/21/2022 3:18 PM</a:t>
+              <a:t>1/19/2023 1:26 PM</a:t>
             </a:fld>
             <a:endParaRPr lang="en-US" dirty="0"/>
           </a:p>
@@ -12188,7 +12220,7 @@
           <a:p>
             <a:fld id="{9427A7F7-BB1E-479D-AFAA-B52F4D0C99F2}" type="datetime8">
               <a:rPr lang="en-US" smtClean="0"/>
-              <a:t>9/21/2022 3:18 PM</a:t>
+              <a:t>1/19/2023 1:26 PM</a:t>
             </a:fld>
             <a:endParaRPr lang="en-US" dirty="0"/>
           </a:p>
@@ -12533,7 +12565,7 @@
           <a:p>
             <a:fld id="{9427A7F7-BB1E-479D-AFAA-B52F4D0C99F2}" type="datetime8">
               <a:rPr lang="en-US" smtClean="0"/>
-              <a:t>9/21/2022 3:18 PM</a:t>
+              <a:t>1/19/2023 1:26 PM</a:t>
             </a:fld>
             <a:endParaRPr lang="en-US" dirty="0"/>
           </a:p>
@@ -12698,7 +12730,7 @@
           <a:p>
             <a:fld id="{9427A7F7-BB1E-479D-AFAA-B52F4D0C99F2}" type="datetime8">
               <a:rPr lang="en-US" smtClean="0"/>
-              <a:t>9/21/2022 3:18 PM</a:t>
+              <a:t>1/19/2023 1:26 PM</a:t>
             </a:fld>
             <a:endParaRPr lang="en-US" dirty="0"/>
           </a:p>
@@ -13005,7 +13037,7 @@
           <a:p>
             <a:fld id="{9427A7F7-BB1E-479D-AFAA-B52F4D0C99F2}" type="datetime8">
               <a:rPr lang="en-US" smtClean="0"/>
-              <a:t>9/21/2022 3:18 PM</a:t>
+              <a:t>1/19/2023 1:26 PM</a:t>
             </a:fld>
             <a:endParaRPr lang="en-US" dirty="0"/>
           </a:p>
@@ -13213,7 +13245,7 @@
           <a:p>
             <a:fld id="{386CE63F-9E7F-4C04-9D0D-FCA25A8E9E86}" type="datetime8">
               <a:rPr lang="en-US" smtClean="0"/>
-              <a:t>9/21/2022 3:18 PM</a:t>
+              <a:t>1/19/2023 1:26 PM</a:t>
             </a:fld>
             <a:endParaRPr lang="en-US" dirty="0"/>
           </a:p>
@@ -13378,7 +13410,7 @@
           <a:p>
             <a:fld id="{9427A7F7-BB1E-479D-AFAA-B52F4D0C99F2}" type="datetime8">
               <a:rPr lang="en-US" smtClean="0"/>
-              <a:t>9/21/2022 3:18 PM</a:t>
+              <a:t>1/19/2023 1:26 PM</a:t>
             </a:fld>
             <a:endParaRPr lang="en-US" dirty="0"/>
           </a:p>
@@ -13642,7 +13674,7 @@
                 <a:tabLst/>
                 <a:defRPr/>
               </a:pPr>
-              <a:t>9/21/2022 3:18 PM</a:t>
+              <a:t>1/19/2023 1:26 PM</a:t>
             </a:fld>
             <a:endParaRPr kumimoji="0" lang="en-US" sz="1200" b="0" i="0" u="none" strike="noStrike" kern="1200" cap="none" spc="0" normalizeH="0" baseline="0" noProof="0" dirty="0">
               <a:ln>
@@ -13879,7 +13911,7 @@
           <a:p>
             <a:fld id="{E2F19A73-88F5-4B80-A929-CF8E66EE5449}" type="datetime8">
               <a:rPr lang="en-US" smtClean="0"/>
-              <a:t>9/21/2022 3:18 PM</a:t>
+              <a:t>1/19/2023 1:26 PM</a:t>
             </a:fld>
             <a:endParaRPr lang="en-US" dirty="0"/>
           </a:p>
@@ -14044,7 +14076,7 @@
           <a:p>
             <a:fld id="{9427A7F7-BB1E-479D-AFAA-B52F4D0C99F2}" type="datetime8">
               <a:rPr lang="en-US" smtClean="0"/>
-              <a:t>9/21/2022 3:18 PM</a:t>
+              <a:t>1/19/2023 1:26 PM</a:t>
             </a:fld>
             <a:endParaRPr lang="en-US" dirty="0"/>
           </a:p>
@@ -14209,7 +14241,7 @@
           <a:p>
             <a:fld id="{E2F19A73-88F5-4B80-A929-CF8E66EE5449}" type="datetime8">
               <a:rPr lang="en-US" smtClean="0"/>
-              <a:t>9/21/2022 3:18 PM</a:t>
+              <a:t>1/19/2023 1:26 PM</a:t>
             </a:fld>
             <a:endParaRPr lang="en-US" dirty="0"/>
           </a:p>
@@ -14374,7 +14406,7 @@
           <a:p>
             <a:fld id="{9427A7F7-BB1E-479D-AFAA-B52F4D0C99F2}" type="datetime8">
               <a:rPr lang="en-US" smtClean="0"/>
-              <a:t>9/21/2022 3:18 PM</a:t>
+              <a:t>1/19/2023 1:26 PM</a:t>
             </a:fld>
             <a:endParaRPr lang="en-US" dirty="0"/>
           </a:p>
@@ -14524,7 +14556,7 @@
                   <a:prstClr val="black"/>
                 </a:solidFill>
               </a:rPr>
-              <a:t>9/21/2022 3:18 PM</a:t>
+              <a:t>1/19/2023 1:26 PM</a:t>
             </a:fld>
             <a:endParaRPr lang="en-US" dirty="0">
               <a:solidFill>
@@ -14739,7 +14771,7 @@
           <a:p>
             <a:fld id="{9427A7F7-BB1E-479D-AFAA-B52F4D0C99F2}" type="datetime8">
               <a:rPr lang="en-US" smtClean="0"/>
-              <a:t>9/21/2022 3:18 PM</a:t>
+              <a:t>1/19/2023 1:26 PM</a:t>
             </a:fld>
             <a:endParaRPr lang="en-US" dirty="0"/>
           </a:p>
@@ -15425,7 +15457,7 @@
           <a:p>
             <a:fld id="{9427A7F7-BB1E-479D-AFAA-B52F4D0C99F2}" type="datetime8">
               <a:rPr lang="en-US" smtClean="0"/>
-              <a:t>9/21/2022 3:18 PM</a:t>
+              <a:t>1/19/2023 1:26 PM</a:t>
             </a:fld>
             <a:endParaRPr lang="en-US" dirty="0"/>
           </a:p>
@@ -15599,7 +15631,7 @@
           <a:p>
             <a:fld id="{9427A7F7-BB1E-479D-AFAA-B52F4D0C99F2}" type="datetime8">
               <a:rPr lang="en-US" smtClean="0"/>
-              <a:t>9/21/2022 3:18 PM</a:t>
+              <a:t>1/19/2023 1:26 PM</a:t>
             </a:fld>
             <a:endParaRPr lang="en-US" dirty="0"/>
           </a:p>
@@ -15983,7 +16015,7 @@
           <a:p>
             <a:fld id="{9427A7F7-BB1E-479D-AFAA-B52F4D0C99F2}" type="datetime8">
               <a:rPr lang="en-US" smtClean="0"/>
-              <a:t>9/21/2022 3:18 PM</a:t>
+              <a:t>1/19/2023 1:26 PM</a:t>
             </a:fld>
             <a:endParaRPr lang="en-US" dirty="0"/>
           </a:p>
@@ -44452,10 +44484,10 @@
       </p:sp>
       <p:pic>
         <p:nvPicPr>
-          <p:cNvPr id="6" name="Picture 5" descr="Screenshot of a basic Kusto query that's a tabular expression statement.">
+          <p:cNvPr id="8" name="Picture 7" descr="Screenshot showing an advanced hunting query using the Kusto query language.">
             <a:extLst>
               <a:ext uri="{FF2B5EF4-FFF2-40B4-BE49-F238E27FC236}">
-                <a16:creationId xmlns:a16="http://schemas.microsoft.com/office/drawing/2014/main" id="{5F779FB4-8FAF-4D8B-9018-7EA40FCE8BD8}"/>
+                <a16:creationId xmlns:a16="http://schemas.microsoft.com/office/drawing/2014/main" id="{29C80BF7-6B77-4C95-AFD9-A099054BE144}"/>
               </a:ext>
             </a:extLst>
           </p:cNvPr>
@@ -44477,43 +44509,8 @@
         </p:blipFill>
         <p:spPr>
           <a:xfrm>
-            <a:off x="6085141" y="1578912"/>
-            <a:ext cx="5993121" cy="1664659"/>
-          </a:xfrm>
-          <a:prstGeom prst="rect">
-            <a:avLst/>
-          </a:prstGeom>
-        </p:spPr>
-      </p:pic>
-      <p:pic>
-        <p:nvPicPr>
-          <p:cNvPr id="8" name="Picture 7" descr="Screenshot showing an advanced hunting query using the Kusto query language.">
-            <a:extLst>
-              <a:ext uri="{FF2B5EF4-FFF2-40B4-BE49-F238E27FC236}">
-                <a16:creationId xmlns:a16="http://schemas.microsoft.com/office/drawing/2014/main" id="{29C80BF7-6B77-4C95-AFD9-A099054BE144}"/>
-              </a:ext>
-            </a:extLst>
-          </p:cNvPr>
-          <p:cNvPicPr>
-            <a:picLocks noChangeAspect="1"/>
-          </p:cNvPicPr>
-          <p:nvPr/>
-        </p:nvPicPr>
-        <p:blipFill rotWithShape="1">
-          <a:blip r:embed="rId4" cstate="print">
-            <a:extLst>
-              <a:ext uri="{28A0092B-C50C-407E-A947-70E740481C1C}">
-                <a14:useLocalDpi xmlns:a14="http://schemas.microsoft.com/office/drawing/2010/main" val="0"/>
-              </a:ext>
-            </a:extLst>
-          </a:blip>
-          <a:srcRect/>
-          <a:stretch/>
-        </p:blipFill>
-        <p:spPr>
-          <a:xfrm>
-            <a:off x="6175375" y="3243572"/>
-            <a:ext cx="5993122" cy="2803145"/>
+            <a:off x="6175375" y="1214368"/>
+            <a:ext cx="5993122" cy="4832349"/>
           </a:xfrm>
           <a:prstGeom prst="rect">
             <a:avLst/>
@@ -45405,15 +45402,6 @@
 </file>
 
 <file path=customXml/item1.xml><?xml version="1.0" encoding="utf-8"?>
-<p:properties xmlns:p="http://schemas.microsoft.com/office/2006/metadata/properties" xmlns:xsi="http://www.w3.org/2001/XMLSchema-instance" xmlns:pc="http://schemas.microsoft.com/office/infopath/2007/PartnerControls">
-  <documentManagement>
-    <_ip_UnifiedCompliancePolicyUIAction xmlns="http://schemas.microsoft.com/sharepoint/v3" xsi:nil="true"/>
-    <_ip_UnifiedCompliancePolicyProperties xmlns="http://schemas.microsoft.com/sharepoint/v3" xsi:nil="true"/>
-  </documentManagement>
-</p:properties>
-</file>
-
-<file path=customXml/item2.xml><?xml version="1.0" encoding="utf-8"?>
 <ct:contentTypeSchema xmlns:ct="http://schemas.microsoft.com/office/2006/metadata/contentType" xmlns:ma="http://schemas.microsoft.com/office/2006/metadata/properties/metaAttributes" ct:_="" ma:_="" ma:contentTypeName="Document" ma:contentTypeID="0x010100020305D32150D746ACEC7EE1F47590FB" ma:contentTypeVersion="8" ma:contentTypeDescription="Create a new document." ma:contentTypeScope="" ma:versionID="c1863e0e8e1a262c2c865392d777ae30">
   <xsd:schema xmlns:xsd="http://www.w3.org/2001/XMLSchema" xmlns:xs="http://www.w3.org/2001/XMLSchema" xmlns:p="http://schemas.microsoft.com/office/2006/metadata/properties" xmlns:ns1="http://schemas.microsoft.com/sharepoint/v3" xmlns:ns2="0aa551a1-3cd1-453b-b985-d0d43f91ae14" xmlns:ns3="aff3788b-9cf6-4ebd-8900-ddc3b0fbf990" targetNamespace="http://schemas.microsoft.com/office/2006/metadata/properties" ma:root="true" ma:fieldsID="19b9f75944552e7de8c750b416174e52" ns1:_="" ns2:_="" ns3:_="">
     <xsd:import namespace="http://schemas.microsoft.com/sharepoint/v3"/>
@@ -45609,7 +45597,7 @@
 </ct:contentTypeSchema>
 </file>
 
-<file path=customXml/item3.xml><?xml version="1.0" encoding="utf-8"?>
+<file path=customXml/item2.xml><?xml version="1.0" encoding="utf-8"?>
 <?mso-contentType ?>
 <FormTemplates xmlns="http://schemas.microsoft.com/sharepoint/v3/contenttype/forms">
   <Display>DocumentLibraryForm</Display>
@@ -45618,25 +45606,16 @@
 </FormTemplates>
 </file>
 
-<file path=customXml/itemProps1.xml><?xml version="1.0" encoding="utf-8"?>
-<ds:datastoreItem xmlns:ds="http://schemas.openxmlformats.org/officeDocument/2006/customXml" ds:itemID="{F990F116-B58F-4255-B05B-DA3808E0E5C6}">
-  <ds:schemaRefs>
-    <ds:schemaRef ds:uri="a4bc753f-e3bb-4cba-8373-da173ea1515c"/>
-    <ds:schemaRef ds:uri="http://purl.org/dc/terms/"/>
-    <ds:schemaRef ds:uri="10db0749-eddb-4627-97e5-bcd86b41c8cd"/>
-    <ds:schemaRef ds:uri="http://www.w3.org/XML/1998/namespace"/>
-    <ds:schemaRef ds:uri="http://schemas.microsoft.com/office/2006/documentManagement/types"/>
-    <ds:schemaRef ds:uri="http://purl.org/dc/dcmitype/"/>
-    <ds:schemaRef ds:uri="http://purl.org/dc/elements/1.1/"/>
-    <ds:schemaRef ds:uri="http://schemas.openxmlformats.org/package/2006/metadata/core-properties"/>
-    <ds:schemaRef ds:uri="http://schemas.microsoft.com/office/infopath/2007/PartnerControls"/>
-    <ds:schemaRef ds:uri="http://schemas.microsoft.com/office/2006/metadata/properties"/>
-    <ds:schemaRef ds:uri="http://schemas.microsoft.com/sharepoint/v3"/>
-  </ds:schemaRefs>
-</ds:datastoreItem>
+<file path=customXml/item3.xml><?xml version="1.0" encoding="utf-8"?>
+<p:properties xmlns:p="http://schemas.microsoft.com/office/2006/metadata/properties" xmlns:xsi="http://www.w3.org/2001/XMLSchema-instance" xmlns:pc="http://schemas.microsoft.com/office/infopath/2007/PartnerControls">
+  <documentManagement>
+    <_ip_UnifiedCompliancePolicyUIAction xmlns="http://schemas.microsoft.com/sharepoint/v3" xsi:nil="true"/>
+    <_ip_UnifiedCompliancePolicyProperties xmlns="http://schemas.microsoft.com/sharepoint/v3" xsi:nil="true"/>
+  </documentManagement>
+</p:properties>
 </file>
 
-<file path=customXml/itemProps2.xml><?xml version="1.0" encoding="utf-8"?>
+<file path=customXml/itemProps1.xml><?xml version="1.0" encoding="utf-8"?>
 <ds:datastoreItem xmlns:ds="http://schemas.openxmlformats.org/officeDocument/2006/customXml" ds:itemID="{6259EC5A-D21F-4876-89D2-E95C4C2673BA}">
   <ds:schemaRefs>
     <ds:schemaRef ds:uri="http://schemas.microsoft.com/office/2006/metadata/contentType"/>
@@ -45656,10 +45635,28 @@
 </ds:datastoreItem>
 </file>
 
-<file path=customXml/itemProps3.xml><?xml version="1.0" encoding="utf-8"?>
+<file path=customXml/itemProps2.xml><?xml version="1.0" encoding="utf-8"?>
 <ds:datastoreItem xmlns:ds="http://schemas.openxmlformats.org/officeDocument/2006/customXml" ds:itemID="{758FDAC0-319D-4A54-8D8E-1D42CB1F8004}">
   <ds:schemaRefs>
     <ds:schemaRef ds:uri="http://schemas.microsoft.com/sharepoint/v3/contenttype/forms"/>
+  </ds:schemaRefs>
+</ds:datastoreItem>
+</file>
+
+<file path=customXml/itemProps3.xml><?xml version="1.0" encoding="utf-8"?>
+<ds:datastoreItem xmlns:ds="http://schemas.openxmlformats.org/officeDocument/2006/customXml" ds:itemID="{F990F116-B58F-4255-B05B-DA3808E0E5C6}">
+  <ds:schemaRefs>
+    <ds:schemaRef ds:uri="a4bc753f-e3bb-4cba-8373-da173ea1515c"/>
+    <ds:schemaRef ds:uri="http://purl.org/dc/terms/"/>
+    <ds:schemaRef ds:uri="10db0749-eddb-4627-97e5-bcd86b41c8cd"/>
+    <ds:schemaRef ds:uri="http://www.w3.org/XML/1998/namespace"/>
+    <ds:schemaRef ds:uri="http://schemas.microsoft.com/office/2006/documentManagement/types"/>
+    <ds:schemaRef ds:uri="http://purl.org/dc/dcmitype/"/>
+    <ds:schemaRef ds:uri="http://purl.org/dc/elements/1.1/"/>
+    <ds:schemaRef ds:uri="http://schemas.openxmlformats.org/package/2006/metadata/core-properties"/>
+    <ds:schemaRef ds:uri="http://schemas.microsoft.com/office/infopath/2007/PartnerControls"/>
+    <ds:schemaRef ds:uri="http://schemas.microsoft.com/office/2006/metadata/properties"/>
+    <ds:schemaRef ds:uri="http://schemas.microsoft.com/sharepoint/v3"/>
   </ds:schemaRefs>
 </ds:datastoreItem>
 </file>
